--- a/PPT/L2R.pptx
+++ b/PPT/L2R.pptx
@@ -263,7 +263,7 @@
           <a:p>
             <a:fld id="{B1B5C9B7-E21B-4460-BF7B-BAE84408070A}" type="datetimeFigureOut">
               <a:rPr lang="zh-CN" altLang="en-US" smtClean="0"/>
-              <a:t>2017/11/24 Friday</a:t>
+              <a:t>2017/12/21 Thursday</a:t>
             </a:fld>
             <a:endParaRPr lang="zh-CN" altLang="en-US"/>
           </a:p>
@@ -433,7 +433,7 @@
           <a:p>
             <a:fld id="{B1B5C9B7-E21B-4460-BF7B-BAE84408070A}" type="datetimeFigureOut">
               <a:rPr lang="zh-CN" altLang="en-US" smtClean="0"/>
-              <a:t>2017/11/24 Friday</a:t>
+              <a:t>2017/12/21 Thursday</a:t>
             </a:fld>
             <a:endParaRPr lang="zh-CN" altLang="en-US"/>
           </a:p>
@@ -613,7 +613,7 @@
           <a:p>
             <a:fld id="{B1B5C9B7-E21B-4460-BF7B-BAE84408070A}" type="datetimeFigureOut">
               <a:rPr lang="zh-CN" altLang="en-US" smtClean="0"/>
-              <a:t>2017/11/24 Friday</a:t>
+              <a:t>2017/12/21 Thursday</a:t>
             </a:fld>
             <a:endParaRPr lang="zh-CN" altLang="en-US"/>
           </a:p>
@@ -783,7 +783,7 @@
           <a:p>
             <a:fld id="{B1B5C9B7-E21B-4460-BF7B-BAE84408070A}" type="datetimeFigureOut">
               <a:rPr lang="zh-CN" altLang="en-US" smtClean="0"/>
-              <a:t>2017/11/24 Friday</a:t>
+              <a:t>2017/12/21 Thursday</a:t>
             </a:fld>
             <a:endParaRPr lang="zh-CN" altLang="en-US"/>
           </a:p>
@@ -1029,7 +1029,7 @@
           <a:p>
             <a:fld id="{B1B5C9B7-E21B-4460-BF7B-BAE84408070A}" type="datetimeFigureOut">
               <a:rPr lang="zh-CN" altLang="en-US" smtClean="0"/>
-              <a:t>2017/11/24 Friday</a:t>
+              <a:t>2017/12/21 Thursday</a:t>
             </a:fld>
             <a:endParaRPr lang="zh-CN" altLang="en-US"/>
           </a:p>
@@ -1261,7 +1261,7 @@
           <a:p>
             <a:fld id="{B1B5C9B7-E21B-4460-BF7B-BAE84408070A}" type="datetimeFigureOut">
               <a:rPr lang="zh-CN" altLang="en-US" smtClean="0"/>
-              <a:t>2017/11/24 Friday</a:t>
+              <a:t>2017/12/21 Thursday</a:t>
             </a:fld>
             <a:endParaRPr lang="zh-CN" altLang="en-US"/>
           </a:p>
@@ -1628,7 +1628,7 @@
           <a:p>
             <a:fld id="{B1B5C9B7-E21B-4460-BF7B-BAE84408070A}" type="datetimeFigureOut">
               <a:rPr lang="zh-CN" altLang="en-US" smtClean="0"/>
-              <a:t>2017/11/24 Friday</a:t>
+              <a:t>2017/12/21 Thursday</a:t>
             </a:fld>
             <a:endParaRPr lang="zh-CN" altLang="en-US"/>
           </a:p>
@@ -1746,7 +1746,7 @@
           <a:p>
             <a:fld id="{B1B5C9B7-E21B-4460-BF7B-BAE84408070A}" type="datetimeFigureOut">
               <a:rPr lang="zh-CN" altLang="en-US" smtClean="0"/>
-              <a:t>2017/11/24 Friday</a:t>
+              <a:t>2017/12/21 Thursday</a:t>
             </a:fld>
             <a:endParaRPr lang="zh-CN" altLang="en-US"/>
           </a:p>
@@ -1841,7 +1841,7 @@
           <a:p>
             <a:fld id="{B1B5C9B7-E21B-4460-BF7B-BAE84408070A}" type="datetimeFigureOut">
               <a:rPr lang="zh-CN" altLang="en-US" smtClean="0"/>
-              <a:t>2017/11/24 Friday</a:t>
+              <a:t>2017/12/21 Thursday</a:t>
             </a:fld>
             <a:endParaRPr lang="zh-CN" altLang="en-US"/>
           </a:p>
@@ -2118,7 +2118,7 @@
           <a:p>
             <a:fld id="{B1B5C9B7-E21B-4460-BF7B-BAE84408070A}" type="datetimeFigureOut">
               <a:rPr lang="zh-CN" altLang="en-US" smtClean="0"/>
-              <a:t>2017/11/24 Friday</a:t>
+              <a:t>2017/12/21 Thursday</a:t>
             </a:fld>
             <a:endParaRPr lang="zh-CN" altLang="en-US"/>
           </a:p>
@@ -2371,7 +2371,7 @@
           <a:p>
             <a:fld id="{B1B5C9B7-E21B-4460-BF7B-BAE84408070A}" type="datetimeFigureOut">
               <a:rPr lang="zh-CN" altLang="en-US" smtClean="0"/>
-              <a:t>2017/11/24 Friday</a:t>
+              <a:t>2017/12/21 Thursday</a:t>
             </a:fld>
             <a:endParaRPr lang="zh-CN" altLang="en-US"/>
           </a:p>
@@ -2584,7 +2584,7 @@
           <a:p>
             <a:fld id="{B1B5C9B7-E21B-4460-BF7B-BAE84408070A}" type="datetimeFigureOut">
               <a:rPr lang="zh-CN" altLang="en-US" smtClean="0"/>
-              <a:t>2017/11/24 Friday</a:t>
+              <a:t>2017/12/21 Thursday</a:t>
             </a:fld>
             <a:endParaRPr lang="zh-CN" altLang="en-US"/>
           </a:p>
@@ -4818,7 +4818,7 @@
         <p:spPr>
           <a:xfrm>
             <a:off x="598098" y="603848"/>
-            <a:ext cx="11110822" cy="5355312"/>
+            <a:ext cx="11110822" cy="5416868"/>
           </a:xfrm>
           <a:prstGeom prst="rect">
             <a:avLst/>
@@ -4875,62 +4875,62 @@
           </a:p>
           <a:p>
             <a:r>
-              <a:rPr lang="en-US" altLang="zh-CN" sz="1600" dirty="0" smtClean="0">
+              <a:rPr lang="en-US" altLang="zh-CN" dirty="0" smtClean="0">
                 <a:latin typeface="Times New Roman" panose="02020603050405020304" pitchFamily="18" charset="0"/>
                 <a:cs typeface="Times New Roman" panose="02020603050405020304" pitchFamily="18" charset="0"/>
               </a:rPr>
               <a:t>9.1~9.7:</a:t>
             </a:r>
             <a:r>
-              <a:rPr lang="zh-CN" altLang="en-US" sz="1600" dirty="0" smtClean="0">
+              <a:rPr lang="zh-CN" altLang="en-US" dirty="0" smtClean="0">
                 <a:latin typeface="Times New Roman" panose="02020603050405020304" pitchFamily="18" charset="0"/>
                 <a:cs typeface="Times New Roman" panose="02020603050405020304" pitchFamily="18" charset="0"/>
               </a:rPr>
               <a:t>上手比赛，在自己电脑上使用官方提供的基于</a:t>
             </a:r>
             <a:r>
-              <a:rPr lang="en-US" altLang="zh-CN" sz="1600" dirty="0" smtClean="0">
+              <a:rPr lang="en-US" altLang="zh-CN" dirty="0" smtClean="0">
                 <a:latin typeface="Times New Roman" panose="02020603050405020304" pitchFamily="18" charset="0"/>
                 <a:cs typeface="Times New Roman" panose="02020603050405020304" pitchFamily="18" charset="0"/>
               </a:rPr>
               <a:t>keras-rl</a:t>
             </a:r>
             <a:r>
-              <a:rPr lang="zh-CN" altLang="en-US" sz="1600" dirty="0" smtClean="0">
+              <a:rPr lang="zh-CN" altLang="en-US" dirty="0" smtClean="0">
                 <a:latin typeface="Times New Roman" panose="02020603050405020304" pitchFamily="18" charset="0"/>
                 <a:cs typeface="Times New Roman" panose="02020603050405020304" pitchFamily="18" charset="0"/>
               </a:rPr>
               <a:t>的</a:t>
             </a:r>
             <a:r>
-              <a:rPr lang="en-US" altLang="zh-CN" sz="1600" dirty="0" smtClean="0">
+              <a:rPr lang="en-US" altLang="zh-CN" dirty="0" smtClean="0">
                 <a:latin typeface="Times New Roman" panose="02020603050405020304" pitchFamily="18" charset="0"/>
                 <a:cs typeface="Times New Roman" panose="02020603050405020304" pitchFamily="18" charset="0"/>
               </a:rPr>
               <a:t>DDPG</a:t>
             </a:r>
             <a:r>
-              <a:rPr lang="zh-CN" altLang="en-US" sz="1600" dirty="0" smtClean="0">
+              <a:rPr lang="zh-CN" altLang="en-US" dirty="0" smtClean="0">
                 <a:latin typeface="Times New Roman" panose="02020603050405020304" pitchFamily="18" charset="0"/>
                 <a:cs typeface="Times New Roman" panose="02020603050405020304" pitchFamily="18" charset="0"/>
               </a:rPr>
               <a:t>算法跑了几天，跑得很慢，效果 </a:t>
             </a:r>
-            <a:endParaRPr lang="en-US" altLang="zh-CN" sz="1600" dirty="0" smtClean="0">
+            <a:endParaRPr lang="en-US" altLang="zh-CN" dirty="0" smtClean="0">
               <a:latin typeface="Times New Roman" panose="02020603050405020304" pitchFamily="18" charset="0"/>
               <a:cs typeface="Times New Roman" panose="02020603050405020304" pitchFamily="18" charset="0"/>
             </a:endParaRPr>
           </a:p>
           <a:p>
             <a:r>
-              <a:rPr lang="zh-CN" altLang="en-US" sz="1600" dirty="0" smtClean="0">
+              <a:rPr lang="zh-CN" altLang="en-US" dirty="0" smtClean="0">
                 <a:latin typeface="Times New Roman" panose="02020603050405020304" pitchFamily="18" charset="0"/>
                 <a:cs typeface="Times New Roman" panose="02020603050405020304" pitchFamily="18" charset="0"/>
               </a:rPr>
               <a:t>很差，完全无法收敛。。。</a:t>
             </a:r>
             <a:r>
-              <a:rPr lang="en-US" altLang="zh-CN" sz="1600" dirty="0" smtClean="0">
+              <a:rPr lang="en-US" altLang="zh-CN" dirty="0" smtClean="0">
                 <a:latin typeface="Times New Roman" panose="02020603050405020304" pitchFamily="18" charset="0"/>
                 <a:cs typeface="Times New Roman" panose="02020603050405020304" pitchFamily="18" charset="0"/>
               </a:rPr>
